--- a/study-note/자바/2022-10-07 내용정리.pptx
+++ b/study-note/자바/2022-10-07 내용정리.pptx
@@ -5,7 +5,7 @@
     <p:sldMasterId id="2147483648" r:id="rId1"/>
   </p:sldMasterIdLst>
   <p:notesMasterIdLst>
-    <p:notesMasterId r:id="rId37"/>
+    <p:notesMasterId r:id="rId38"/>
   </p:notesMasterIdLst>
   <p:sldIdLst>
     <p:sldId id="256" r:id="rId2"/>
@@ -43,6 +43,7 @@
     <p:sldId id="288" r:id="rId34"/>
     <p:sldId id="289" r:id="rId35"/>
     <p:sldId id="290" r:id="rId36"/>
+    <p:sldId id="291" r:id="rId37"/>
   </p:sldIdLst>
   <p:sldSz cx="12192000" cy="6858000"/>
   <p:notesSz cx="6858000" cy="9144000"/>
@@ -45832,6 +45833,1173 @@
     <p:extLst>
       <p:ext uri="{BB962C8B-B14F-4D97-AF65-F5344CB8AC3E}">
         <p14:creationId xmlns:p14="http://schemas.microsoft.com/office/powerpoint/2010/main" val="4180009119"/>
+      </p:ext>
+    </p:extLst>
+  </p:cSld>
+  <p:clrMapOvr>
+    <a:masterClrMapping/>
+  </p:clrMapOvr>
+</p:sld>
+</file>
+
+<file path=ppt/slides/slide36.xml><?xml version="1.0" encoding="utf-8"?>
+<p:sld xmlns:a="http://schemas.openxmlformats.org/drawingml/2006/main" xmlns:r="http://schemas.openxmlformats.org/officeDocument/2006/relationships" xmlns:p="http://schemas.openxmlformats.org/presentationml/2006/main">
+  <p:cSld>
+    <p:spTree>
+      <p:nvGrpSpPr>
+        <p:cNvPr id="1" name=""/>
+        <p:cNvGrpSpPr/>
+        <p:nvPr/>
+      </p:nvGrpSpPr>
+      <p:grpSpPr>
+        <a:xfrm>
+          <a:off x="0" y="0"/>
+          <a:ext cx="0" cy="0"/>
+          <a:chOff x="0" y="0"/>
+          <a:chExt cx="0" cy="0"/>
+        </a:xfrm>
+      </p:grpSpPr>
+      <p:sp>
+        <p:nvSpPr>
+          <p:cNvPr id="4" name="직사각형 3">
+            <a:extLst>
+              <a:ext uri="{FF2B5EF4-FFF2-40B4-BE49-F238E27FC236}">
+                <a16:creationId xmlns:a16="http://schemas.microsoft.com/office/drawing/2014/main" id="{8C2525BD-FCD7-D696-D4C7-828ADC5419F9}"/>
+              </a:ext>
+            </a:extLst>
+          </p:cNvPr>
+          <p:cNvSpPr/>
+          <p:nvPr/>
+        </p:nvSpPr>
+        <p:spPr>
+          <a:xfrm>
+            <a:off x="522531" y="2559268"/>
+            <a:ext cx="1226502" cy="462456"/>
+          </a:xfrm>
+          <a:prstGeom prst="rect">
+            <a:avLst/>
+          </a:prstGeom>
+        </p:spPr>
+        <p:style>
+          <a:lnRef idx="3">
+            <a:schemeClr val="lt1"/>
+          </a:lnRef>
+          <a:fillRef idx="1">
+            <a:schemeClr val="accent1"/>
+          </a:fillRef>
+          <a:effectRef idx="1">
+            <a:schemeClr val="accent1"/>
+          </a:effectRef>
+          <a:fontRef idx="minor">
+            <a:schemeClr val="lt1"/>
+          </a:fontRef>
+        </p:style>
+        <p:txBody>
+          <a:bodyPr rtlCol="0" anchor="ctr"/>
+          <a:lstStyle/>
+          <a:p>
+            <a:pPr algn="ctr"/>
+            <a:r>
+              <a:rPr kumimoji="1" lang="en-US" altLang="ko-Kore-KR" sz="1600" dirty="0"/>
+              <a:t>Client</a:t>
+            </a:r>
+            <a:endParaRPr kumimoji="1" lang="ko-Kore-KR" altLang="en-US" sz="1600" dirty="0"/>
+          </a:p>
+        </p:txBody>
+      </p:sp>
+      <p:sp>
+        <p:nvSpPr>
+          <p:cNvPr id="5" name="직사각형 4">
+            <a:extLst>
+              <a:ext uri="{FF2B5EF4-FFF2-40B4-BE49-F238E27FC236}">
+                <a16:creationId xmlns:a16="http://schemas.microsoft.com/office/drawing/2014/main" id="{027CF5B1-2A14-BF0A-FAF3-B85FFEFA6EF6}"/>
+              </a:ext>
+            </a:extLst>
+          </p:cNvPr>
+          <p:cNvSpPr/>
+          <p:nvPr/>
+        </p:nvSpPr>
+        <p:spPr>
+          <a:xfrm>
+            <a:off x="3734056" y="2559268"/>
+            <a:ext cx="2150838" cy="462456"/>
+          </a:xfrm>
+          <a:prstGeom prst="rect">
+            <a:avLst/>
+          </a:prstGeom>
+        </p:spPr>
+        <p:style>
+          <a:lnRef idx="3">
+            <a:schemeClr val="lt1"/>
+          </a:lnRef>
+          <a:fillRef idx="1">
+            <a:schemeClr val="accent1"/>
+          </a:fillRef>
+          <a:effectRef idx="1">
+            <a:schemeClr val="accent1"/>
+          </a:effectRef>
+          <a:fontRef idx="minor">
+            <a:schemeClr val="lt1"/>
+          </a:fontRef>
+        </p:style>
+        <p:txBody>
+          <a:bodyPr rtlCol="0" anchor="ctr"/>
+          <a:lstStyle/>
+          <a:p>
+            <a:pPr algn="ctr"/>
+            <a:r>
+              <a:rPr kumimoji="1" lang="en-US" altLang="ko-KR" sz="1050" dirty="0"/>
+              <a:t>&lt;&lt;</a:t>
+            </a:r>
+            <a:r>
+              <a:rPr kumimoji="1" lang="en-US" altLang="ko-KR" sz="1050" dirty="0" err="1"/>
+              <a:t>frontController</a:t>
+            </a:r>
+            <a:r>
+              <a:rPr kumimoji="1" lang="en-US" altLang="ko-KR" sz="1050" dirty="0"/>
+              <a:t>&gt;&gt;</a:t>
+            </a:r>
+            <a:endParaRPr kumimoji="1" lang="en-US" altLang="ko-Kore-KR" sz="1050" dirty="0"/>
+          </a:p>
+          <a:p>
+            <a:pPr algn="ctr"/>
+            <a:r>
+              <a:rPr kumimoji="1" lang="en-US" altLang="ko-Kore-KR" sz="1600" dirty="0" err="1"/>
+              <a:t>DispatcherServlet</a:t>
+            </a:r>
+            <a:endParaRPr kumimoji="1" lang="ko-Kore-KR" altLang="en-US" sz="1600" dirty="0"/>
+          </a:p>
+        </p:txBody>
+      </p:sp>
+      <p:sp>
+        <p:nvSpPr>
+          <p:cNvPr id="6" name="직사각형 5">
+            <a:extLst>
+              <a:ext uri="{FF2B5EF4-FFF2-40B4-BE49-F238E27FC236}">
+                <a16:creationId xmlns:a16="http://schemas.microsoft.com/office/drawing/2014/main" id="{DF58DDA0-B4EB-289F-4517-C48BDD785083}"/>
+              </a:ext>
+            </a:extLst>
+          </p:cNvPr>
+          <p:cNvSpPr/>
+          <p:nvPr/>
+        </p:nvSpPr>
+        <p:spPr>
+          <a:xfrm>
+            <a:off x="7869918" y="2559268"/>
+            <a:ext cx="2150838" cy="462456"/>
+          </a:xfrm>
+          <a:prstGeom prst="rect">
+            <a:avLst/>
+          </a:prstGeom>
+        </p:spPr>
+        <p:style>
+          <a:lnRef idx="3">
+            <a:schemeClr val="lt1"/>
+          </a:lnRef>
+          <a:fillRef idx="1">
+            <a:schemeClr val="accent1"/>
+          </a:fillRef>
+          <a:effectRef idx="1">
+            <a:schemeClr val="accent1"/>
+          </a:effectRef>
+          <a:fontRef idx="minor">
+            <a:schemeClr val="lt1"/>
+          </a:fontRef>
+        </p:style>
+        <p:txBody>
+          <a:bodyPr rtlCol="0" anchor="ctr"/>
+          <a:lstStyle/>
+          <a:p>
+            <a:pPr marL="0" marR="0" lvl="0" indent="0" algn="ctr" defTabSz="914400" rtl="0" eaLnBrk="1" fontAlgn="auto" latinLnBrk="0" hangingPunct="1">
+              <a:lnSpc>
+                <a:spcPct val="100000"/>
+              </a:lnSpc>
+              <a:spcBef>
+                <a:spcPts val="0"/>
+              </a:spcBef>
+              <a:spcAft>
+                <a:spcPts val="0"/>
+              </a:spcAft>
+              <a:buClrTx/>
+              <a:buSzTx/>
+              <a:buFontTx/>
+              <a:buNone/>
+              <a:tabLst/>
+              <a:defRPr/>
+            </a:pPr>
+            <a:r>
+              <a:rPr kumimoji="1" lang="en-US" altLang="ko-KR" sz="1050" b="0" i="0" u="none" strike="noStrike" kern="1200" cap="none" spc="0" normalizeH="0" baseline="0" noProof="0" dirty="0">
+                <a:ln>
+                  <a:noFill/>
+                </a:ln>
+                <a:solidFill>
+                  <a:prstClr val="white"/>
+                </a:solidFill>
+                <a:effectLst/>
+                <a:uLnTx/>
+                <a:uFillTx/>
+                <a:latin typeface="Calibri" panose="020F0502020204030204"/>
+                <a:ea typeface="맑은 고딕" panose="020B0503020000020004" pitchFamily="34" charset="-127"/>
+                <a:cs typeface="+mn-cs"/>
+              </a:rPr>
+              <a:t>&lt;&lt;</a:t>
+            </a:r>
+            <a:r>
+              <a:rPr kumimoji="1" lang="en-US" altLang="ko-KR" sz="1050" b="0" i="0" u="none" strike="noStrike" kern="1200" cap="none" spc="0" normalizeH="0" baseline="0" noProof="0" dirty="0" err="1">
+                <a:ln>
+                  <a:noFill/>
+                </a:ln>
+                <a:solidFill>
+                  <a:prstClr val="white"/>
+                </a:solidFill>
+                <a:effectLst/>
+                <a:uLnTx/>
+                <a:uFillTx/>
+                <a:latin typeface="Calibri" panose="020F0502020204030204"/>
+                <a:ea typeface="맑은 고딕" panose="020B0503020000020004" pitchFamily="34" charset="-127"/>
+                <a:cs typeface="+mn-cs"/>
+              </a:rPr>
+              <a:t>frontController</a:t>
+            </a:r>
+            <a:r>
+              <a:rPr kumimoji="1" lang="en-US" altLang="ko-KR" sz="1050" b="0" i="0" u="none" strike="noStrike" kern="1200" cap="none" spc="0" normalizeH="0" baseline="0" noProof="0" dirty="0">
+                <a:ln>
+                  <a:noFill/>
+                </a:ln>
+                <a:solidFill>
+                  <a:prstClr val="white"/>
+                </a:solidFill>
+                <a:effectLst/>
+                <a:uLnTx/>
+                <a:uFillTx/>
+                <a:latin typeface="Calibri" panose="020F0502020204030204"/>
+                <a:ea typeface="맑은 고딕" panose="020B0503020000020004" pitchFamily="34" charset="-127"/>
+                <a:cs typeface="+mn-cs"/>
+              </a:rPr>
+              <a:t>&gt;&gt;</a:t>
+            </a:r>
+            <a:endParaRPr kumimoji="1" lang="en-US" altLang="ko-Kore-KR" sz="1600" dirty="0"/>
+          </a:p>
+          <a:p>
+            <a:pPr algn="ctr"/>
+            <a:r>
+              <a:rPr kumimoji="1" lang="en-US" altLang="ko-Kore-KR" sz="1600" dirty="0"/>
+              <a:t>Controller</a:t>
+            </a:r>
+            <a:endParaRPr kumimoji="1" lang="ko-Kore-KR" altLang="en-US" sz="1600" dirty="0"/>
+          </a:p>
+        </p:txBody>
+      </p:sp>
+      <p:sp>
+        <p:nvSpPr>
+          <p:cNvPr id="7" name="직사각형 6">
+            <a:extLst>
+              <a:ext uri="{FF2B5EF4-FFF2-40B4-BE49-F238E27FC236}">
+                <a16:creationId xmlns:a16="http://schemas.microsoft.com/office/drawing/2014/main" id="{6C4FC35F-C414-6F41-D318-6BA517473DC0}"/>
+              </a:ext>
+            </a:extLst>
+          </p:cNvPr>
+          <p:cNvSpPr/>
+          <p:nvPr/>
+        </p:nvSpPr>
+        <p:spPr>
+          <a:xfrm>
+            <a:off x="9885330" y="3605049"/>
+            <a:ext cx="2150838" cy="462456"/>
+          </a:xfrm>
+          <a:prstGeom prst="rect">
+            <a:avLst/>
+          </a:prstGeom>
+        </p:spPr>
+        <p:style>
+          <a:lnRef idx="3">
+            <a:schemeClr val="lt1"/>
+          </a:lnRef>
+          <a:fillRef idx="1">
+            <a:schemeClr val="accent1"/>
+          </a:fillRef>
+          <a:effectRef idx="1">
+            <a:schemeClr val="accent1"/>
+          </a:effectRef>
+          <a:fontRef idx="minor">
+            <a:schemeClr val="lt1"/>
+          </a:fontRef>
+        </p:style>
+        <p:txBody>
+          <a:bodyPr rtlCol="0" anchor="ctr"/>
+          <a:lstStyle/>
+          <a:p>
+            <a:pPr algn="ctr"/>
+            <a:r>
+              <a:rPr kumimoji="1" lang="en-US" altLang="ko-Kore-KR" sz="1600" dirty="0" err="1"/>
+              <a:t>BoardListController</a:t>
+            </a:r>
+            <a:endParaRPr kumimoji="1" lang="ko-Kore-KR" altLang="en-US" sz="1600" dirty="0"/>
+          </a:p>
+        </p:txBody>
+      </p:sp>
+      <p:sp>
+        <p:nvSpPr>
+          <p:cNvPr id="8" name="직사각형 7">
+            <a:extLst>
+              <a:ext uri="{FF2B5EF4-FFF2-40B4-BE49-F238E27FC236}">
+                <a16:creationId xmlns:a16="http://schemas.microsoft.com/office/drawing/2014/main" id="{24600361-B0AB-7EF3-9B17-D7F979B4BF5E}"/>
+              </a:ext>
+            </a:extLst>
+          </p:cNvPr>
+          <p:cNvSpPr/>
+          <p:nvPr/>
+        </p:nvSpPr>
+        <p:spPr>
+          <a:xfrm>
+            <a:off x="9885330" y="5023730"/>
+            <a:ext cx="2150838" cy="462456"/>
+          </a:xfrm>
+          <a:prstGeom prst="rect">
+            <a:avLst/>
+          </a:prstGeom>
+        </p:spPr>
+        <p:style>
+          <a:lnRef idx="3">
+            <a:schemeClr val="lt1"/>
+          </a:lnRef>
+          <a:fillRef idx="1">
+            <a:schemeClr val="accent1"/>
+          </a:fillRef>
+          <a:effectRef idx="1">
+            <a:schemeClr val="accent1"/>
+          </a:effectRef>
+          <a:fontRef idx="minor">
+            <a:schemeClr val="lt1"/>
+          </a:fontRef>
+        </p:style>
+        <p:txBody>
+          <a:bodyPr rtlCol="0" anchor="ctr"/>
+          <a:lstStyle/>
+          <a:p>
+            <a:pPr algn="ctr"/>
+            <a:r>
+              <a:rPr kumimoji="1" lang="en-US" altLang="ko-Kore-KR" sz="1600" dirty="0" err="1"/>
+              <a:t>BoardAddController</a:t>
+            </a:r>
+            <a:endParaRPr kumimoji="1" lang="ko-Kore-KR" altLang="en-US" sz="1600" dirty="0"/>
+          </a:p>
+        </p:txBody>
+      </p:sp>
+      <p:cxnSp>
+        <p:nvCxnSpPr>
+          <p:cNvPr id="9" name="직선 화살표 연결선 8">
+            <a:extLst>
+              <a:ext uri="{FF2B5EF4-FFF2-40B4-BE49-F238E27FC236}">
+                <a16:creationId xmlns:a16="http://schemas.microsoft.com/office/drawing/2014/main" id="{1E6D1152-E784-DB46-9209-4A287164A17F}"/>
+              </a:ext>
+            </a:extLst>
+          </p:cNvPr>
+          <p:cNvCxnSpPr>
+            <a:cxnSpLocks/>
+            <a:stCxn id="5" idx="2"/>
+            <a:endCxn id="10" idx="3"/>
+          </p:cNvCxnSpPr>
+          <p:nvPr/>
+        </p:nvCxnSpPr>
+        <p:spPr>
+          <a:xfrm>
+            <a:off x="4809475" y="3021724"/>
+            <a:ext cx="0" cy="718310"/>
+          </a:xfrm>
+          <a:prstGeom prst="straightConnector1">
+            <a:avLst/>
+          </a:prstGeom>
+          <a:ln>
+            <a:tailEnd type="triangle"/>
+          </a:ln>
+        </p:spPr>
+        <p:style>
+          <a:lnRef idx="3">
+            <a:schemeClr val="accent1"/>
+          </a:lnRef>
+          <a:fillRef idx="0">
+            <a:schemeClr val="accent1"/>
+          </a:fillRef>
+          <a:effectRef idx="2">
+            <a:schemeClr val="accent1"/>
+          </a:effectRef>
+          <a:fontRef idx="minor">
+            <a:schemeClr val="tx1"/>
+          </a:fontRef>
+        </p:style>
+      </p:cxnSp>
+      <p:sp>
+        <p:nvSpPr>
+          <p:cNvPr id="10" name="한쪽 모서리가 잘린 사각형 9">
+            <a:extLst>
+              <a:ext uri="{FF2B5EF4-FFF2-40B4-BE49-F238E27FC236}">
+                <a16:creationId xmlns:a16="http://schemas.microsoft.com/office/drawing/2014/main" id="{18E8A79E-7DE5-6F0D-99D5-96C3129EEEC7}"/>
+              </a:ext>
+            </a:extLst>
+          </p:cNvPr>
+          <p:cNvSpPr/>
+          <p:nvPr/>
+        </p:nvSpPr>
+        <p:spPr>
+          <a:xfrm>
+            <a:off x="4194620" y="3740034"/>
+            <a:ext cx="1229710" cy="462456"/>
+          </a:xfrm>
+          <a:prstGeom prst="snip1Rect">
+            <a:avLst/>
+          </a:prstGeom>
+        </p:spPr>
+        <p:style>
+          <a:lnRef idx="2">
+            <a:schemeClr val="accent1">
+              <a:shade val="50000"/>
+            </a:schemeClr>
+          </a:lnRef>
+          <a:fillRef idx="1">
+            <a:schemeClr val="accent1"/>
+          </a:fillRef>
+          <a:effectRef idx="0">
+            <a:schemeClr val="accent1"/>
+          </a:effectRef>
+          <a:fontRef idx="minor">
+            <a:schemeClr val="lt1"/>
+          </a:fontRef>
+        </p:style>
+        <p:txBody>
+          <a:bodyPr rtlCol="0" anchor="ctr"/>
+          <a:lstStyle/>
+          <a:p>
+            <a:pPr algn="ctr"/>
+            <a:r>
+              <a:rPr kumimoji="1" lang="en-US" altLang="ko-Kore-KR" sz="1200" dirty="0"/>
+              <a:t>JSP</a:t>
+            </a:r>
+            <a:endParaRPr kumimoji="1" lang="ko-Kore-KR" altLang="en-US" sz="1200" dirty="0"/>
+          </a:p>
+        </p:txBody>
+      </p:sp>
+      <p:cxnSp>
+        <p:nvCxnSpPr>
+          <p:cNvPr id="12" name="직선 화살표 연결선 11">
+            <a:extLst>
+              <a:ext uri="{FF2B5EF4-FFF2-40B4-BE49-F238E27FC236}">
+                <a16:creationId xmlns:a16="http://schemas.microsoft.com/office/drawing/2014/main" id="{B2AA01E7-A432-494B-591F-F161BEE1D896}"/>
+              </a:ext>
+            </a:extLst>
+          </p:cNvPr>
+          <p:cNvCxnSpPr>
+            <a:cxnSpLocks/>
+            <a:stCxn id="4" idx="3"/>
+            <a:endCxn id="5" idx="1"/>
+          </p:cNvCxnSpPr>
+          <p:nvPr/>
+        </p:nvCxnSpPr>
+        <p:spPr>
+          <a:xfrm>
+            <a:off x="1749033" y="2790496"/>
+            <a:ext cx="1985023" cy="0"/>
+          </a:xfrm>
+          <a:prstGeom prst="straightConnector1">
+            <a:avLst/>
+          </a:prstGeom>
+          <a:ln>
+            <a:headEnd type="triangle"/>
+            <a:tailEnd type="triangle"/>
+          </a:ln>
+        </p:spPr>
+        <p:style>
+          <a:lnRef idx="3">
+            <a:schemeClr val="accent1"/>
+          </a:lnRef>
+          <a:fillRef idx="0">
+            <a:schemeClr val="accent1"/>
+          </a:fillRef>
+          <a:effectRef idx="2">
+            <a:schemeClr val="accent1"/>
+          </a:effectRef>
+          <a:fontRef idx="minor">
+            <a:schemeClr val="tx1"/>
+          </a:fontRef>
+        </p:style>
+      </p:cxnSp>
+      <p:sp>
+        <p:nvSpPr>
+          <p:cNvPr id="13" name="직사각형 12">
+            <a:extLst>
+              <a:ext uri="{FF2B5EF4-FFF2-40B4-BE49-F238E27FC236}">
+                <a16:creationId xmlns:a16="http://schemas.microsoft.com/office/drawing/2014/main" id="{5C7B6910-A6A7-A033-6D42-062C08764F3E}"/>
+              </a:ext>
+            </a:extLst>
+          </p:cNvPr>
+          <p:cNvSpPr/>
+          <p:nvPr/>
+        </p:nvSpPr>
+        <p:spPr>
+          <a:xfrm>
+            <a:off x="2431645" y="2364825"/>
+            <a:ext cx="536027" cy="310057"/>
+          </a:xfrm>
+          <a:prstGeom prst="rect">
+            <a:avLst/>
+          </a:prstGeom>
+        </p:spPr>
+        <p:style>
+          <a:lnRef idx="2">
+            <a:schemeClr val="accent1"/>
+          </a:lnRef>
+          <a:fillRef idx="1">
+            <a:schemeClr val="lt1"/>
+          </a:fillRef>
+          <a:effectRef idx="0">
+            <a:schemeClr val="accent1"/>
+          </a:effectRef>
+          <a:fontRef idx="minor">
+            <a:schemeClr val="dk1"/>
+          </a:fontRef>
+        </p:style>
+        <p:txBody>
+          <a:bodyPr rtlCol="0" anchor="ctr"/>
+          <a:lstStyle/>
+          <a:p>
+            <a:pPr algn="ctr"/>
+            <a:r>
+              <a:rPr kumimoji="1" lang="ko-KR" altLang="en-US" sz="1000" dirty="0"/>
+              <a:t>요청</a:t>
+            </a:r>
+            <a:endParaRPr kumimoji="1" lang="en-US" altLang="ko-KR" sz="1000" dirty="0"/>
+          </a:p>
+        </p:txBody>
+      </p:sp>
+      <p:sp>
+        <p:nvSpPr>
+          <p:cNvPr id="14" name="직사각형 13">
+            <a:extLst>
+              <a:ext uri="{FF2B5EF4-FFF2-40B4-BE49-F238E27FC236}">
+                <a16:creationId xmlns:a16="http://schemas.microsoft.com/office/drawing/2014/main" id="{F717EC0B-5D88-584A-B548-12A3D33CEE47}"/>
+              </a:ext>
+            </a:extLst>
+          </p:cNvPr>
+          <p:cNvSpPr/>
+          <p:nvPr/>
+        </p:nvSpPr>
+        <p:spPr>
+          <a:xfrm>
+            <a:off x="2434823" y="3021722"/>
+            <a:ext cx="546538" cy="310057"/>
+          </a:xfrm>
+          <a:prstGeom prst="rect">
+            <a:avLst/>
+          </a:prstGeom>
+        </p:spPr>
+        <p:style>
+          <a:lnRef idx="2">
+            <a:schemeClr val="accent1"/>
+          </a:lnRef>
+          <a:fillRef idx="1">
+            <a:schemeClr val="lt1"/>
+          </a:fillRef>
+          <a:effectRef idx="0">
+            <a:schemeClr val="accent1"/>
+          </a:effectRef>
+          <a:fontRef idx="minor">
+            <a:schemeClr val="dk1"/>
+          </a:fontRef>
+        </p:style>
+        <p:txBody>
+          <a:bodyPr rtlCol="0" anchor="ctr"/>
+          <a:lstStyle/>
+          <a:p>
+            <a:pPr algn="ctr"/>
+            <a:r>
+              <a:rPr kumimoji="1" lang="ko-KR" altLang="en-US" sz="1000" dirty="0"/>
+              <a:t>응답</a:t>
+            </a:r>
+            <a:endParaRPr kumimoji="1" lang="en-US" altLang="ko-KR" sz="1000" dirty="0"/>
+          </a:p>
+        </p:txBody>
+      </p:sp>
+      <p:cxnSp>
+        <p:nvCxnSpPr>
+          <p:cNvPr id="17" name="직선 화살표 연결선 16">
+            <a:extLst>
+              <a:ext uri="{FF2B5EF4-FFF2-40B4-BE49-F238E27FC236}">
+                <a16:creationId xmlns:a16="http://schemas.microsoft.com/office/drawing/2014/main" id="{F05B0BA0-2A41-D9CF-43B0-109CA641F8C8}"/>
+              </a:ext>
+            </a:extLst>
+          </p:cNvPr>
+          <p:cNvCxnSpPr>
+            <a:cxnSpLocks/>
+            <a:stCxn id="5" idx="3"/>
+            <a:endCxn id="6" idx="1"/>
+          </p:cNvCxnSpPr>
+          <p:nvPr/>
+        </p:nvCxnSpPr>
+        <p:spPr>
+          <a:xfrm>
+            <a:off x="5884894" y="2790496"/>
+            <a:ext cx="1985024" cy="0"/>
+          </a:xfrm>
+          <a:prstGeom prst="straightConnector1">
+            <a:avLst/>
+          </a:prstGeom>
+          <a:ln>
+            <a:headEnd type="triangle"/>
+            <a:tailEnd type="triangle"/>
+          </a:ln>
+        </p:spPr>
+        <p:style>
+          <a:lnRef idx="3">
+            <a:schemeClr val="accent1"/>
+          </a:lnRef>
+          <a:fillRef idx="0">
+            <a:schemeClr val="accent1"/>
+          </a:fillRef>
+          <a:effectRef idx="2">
+            <a:schemeClr val="accent1"/>
+          </a:effectRef>
+          <a:fontRef idx="minor">
+            <a:schemeClr val="tx1"/>
+          </a:fontRef>
+        </p:style>
+      </p:cxnSp>
+      <p:sp>
+        <p:nvSpPr>
+          <p:cNvPr id="18" name="직사각형 17">
+            <a:extLst>
+              <a:ext uri="{FF2B5EF4-FFF2-40B4-BE49-F238E27FC236}">
+                <a16:creationId xmlns:a16="http://schemas.microsoft.com/office/drawing/2014/main" id="{2BE782B5-3E22-9937-E873-6B168F164B87}"/>
+              </a:ext>
+            </a:extLst>
+          </p:cNvPr>
+          <p:cNvSpPr/>
+          <p:nvPr/>
+        </p:nvSpPr>
+        <p:spPr>
+          <a:xfrm>
+            <a:off x="6534432" y="2427886"/>
+            <a:ext cx="685947" cy="310057"/>
+          </a:xfrm>
+          <a:prstGeom prst="rect">
+            <a:avLst/>
+          </a:prstGeom>
+        </p:spPr>
+        <p:style>
+          <a:lnRef idx="2">
+            <a:schemeClr val="accent1"/>
+          </a:lnRef>
+          <a:fillRef idx="1">
+            <a:schemeClr val="lt1"/>
+          </a:fillRef>
+          <a:effectRef idx="0">
+            <a:schemeClr val="accent1"/>
+          </a:effectRef>
+          <a:fontRef idx="minor">
+            <a:schemeClr val="dk1"/>
+          </a:fontRef>
+        </p:style>
+        <p:txBody>
+          <a:bodyPr rtlCol="0" anchor="ctr"/>
+          <a:lstStyle/>
+          <a:p>
+            <a:pPr algn="ctr"/>
+            <a:r>
+              <a:rPr kumimoji="1" lang="en-US" altLang="ko-KR" sz="1000" dirty="0"/>
+              <a:t>execute()</a:t>
+            </a:r>
+          </a:p>
+        </p:txBody>
+      </p:sp>
+      <p:sp>
+        <p:nvSpPr>
+          <p:cNvPr id="19" name="직사각형 18">
+            <a:extLst>
+              <a:ext uri="{FF2B5EF4-FFF2-40B4-BE49-F238E27FC236}">
+                <a16:creationId xmlns:a16="http://schemas.microsoft.com/office/drawing/2014/main" id="{7242CD2E-A505-4930-EF1A-D79723D45F73}"/>
+              </a:ext>
+            </a:extLst>
+          </p:cNvPr>
+          <p:cNvSpPr/>
+          <p:nvPr/>
+        </p:nvSpPr>
+        <p:spPr>
+          <a:xfrm>
+            <a:off x="6455343" y="2866693"/>
+            <a:ext cx="844124" cy="310057"/>
+          </a:xfrm>
+          <a:prstGeom prst="rect">
+            <a:avLst/>
+          </a:prstGeom>
+        </p:spPr>
+        <p:style>
+          <a:lnRef idx="2">
+            <a:schemeClr val="accent1"/>
+          </a:lnRef>
+          <a:fillRef idx="1">
+            <a:schemeClr val="lt1"/>
+          </a:fillRef>
+          <a:effectRef idx="0">
+            <a:schemeClr val="accent1"/>
+          </a:effectRef>
+          <a:fontRef idx="minor">
+            <a:schemeClr val="dk1"/>
+          </a:fontRef>
+        </p:style>
+        <p:txBody>
+          <a:bodyPr rtlCol="0" anchor="ctr"/>
+          <a:lstStyle/>
+          <a:p>
+            <a:pPr algn="ctr"/>
+            <a:r>
+              <a:rPr kumimoji="1" lang="en-US" altLang="ko-KR" sz="1000" dirty="0" err="1"/>
+              <a:t>viewName</a:t>
+            </a:r>
+            <a:endParaRPr kumimoji="1" lang="en-US" altLang="ko-KR" sz="1000" dirty="0"/>
+          </a:p>
+        </p:txBody>
+      </p:sp>
+      <p:cxnSp>
+        <p:nvCxnSpPr>
+          <p:cNvPr id="22" name="꺾인 연결선[E] 21">
+            <a:extLst>
+              <a:ext uri="{FF2B5EF4-FFF2-40B4-BE49-F238E27FC236}">
+                <a16:creationId xmlns:a16="http://schemas.microsoft.com/office/drawing/2014/main" id="{27BA2212-C52A-5D77-2846-258734684D4B}"/>
+              </a:ext>
+            </a:extLst>
+          </p:cNvPr>
+          <p:cNvCxnSpPr>
+            <a:cxnSpLocks/>
+            <a:stCxn id="6" idx="2"/>
+            <a:endCxn id="8" idx="1"/>
+          </p:cNvCxnSpPr>
+          <p:nvPr/>
+        </p:nvCxnSpPr>
+        <p:spPr>
+          <a:xfrm rot="16200000" flipH="1">
+            <a:off x="8298716" y="3668344"/>
+            <a:ext cx="2233234" cy="939993"/>
+          </a:xfrm>
+          <a:prstGeom prst="bentConnector2">
+            <a:avLst/>
+          </a:prstGeom>
+          <a:ln w="28575" cap="flat" cmpd="sng" algn="ctr">
+            <a:solidFill>
+              <a:schemeClr val="accent1"/>
+            </a:solidFill>
+            <a:prstDash val="dash"/>
+            <a:round/>
+            <a:headEnd type="none" w="med" len="med"/>
+            <a:tailEnd type="none" w="med" len="med"/>
+          </a:ln>
+        </p:spPr>
+        <p:style>
+          <a:lnRef idx="0">
+            <a:scrgbClr r="0" g="0" b="0"/>
+          </a:lnRef>
+          <a:fillRef idx="0">
+            <a:scrgbClr r="0" g="0" b="0"/>
+          </a:fillRef>
+          <a:effectRef idx="0">
+            <a:scrgbClr r="0" g="0" b="0"/>
+          </a:effectRef>
+          <a:fontRef idx="minor">
+            <a:schemeClr val="tx1"/>
+          </a:fontRef>
+        </p:style>
+      </p:cxnSp>
+      <p:cxnSp>
+        <p:nvCxnSpPr>
+          <p:cNvPr id="23" name="꺾인 연결선[E] 22">
+            <a:extLst>
+              <a:ext uri="{FF2B5EF4-FFF2-40B4-BE49-F238E27FC236}">
+                <a16:creationId xmlns:a16="http://schemas.microsoft.com/office/drawing/2014/main" id="{7AF38CE9-7FFC-2629-7242-A5B254A2EFC7}"/>
+              </a:ext>
+            </a:extLst>
+          </p:cNvPr>
+          <p:cNvCxnSpPr>
+            <a:cxnSpLocks/>
+            <a:stCxn id="6" idx="2"/>
+            <a:endCxn id="7" idx="1"/>
+          </p:cNvCxnSpPr>
+          <p:nvPr/>
+        </p:nvCxnSpPr>
+        <p:spPr>
+          <a:xfrm rot="16200000" flipH="1">
+            <a:off x="9008057" y="2959003"/>
+            <a:ext cx="814553" cy="939993"/>
+          </a:xfrm>
+          <a:prstGeom prst="bentConnector2">
+            <a:avLst/>
+          </a:prstGeom>
+          <a:ln w="28575" cap="flat" cmpd="sng" algn="ctr">
+            <a:solidFill>
+              <a:schemeClr val="accent1"/>
+            </a:solidFill>
+            <a:prstDash val="dash"/>
+            <a:round/>
+            <a:headEnd type="none" w="med" len="med"/>
+            <a:tailEnd type="none" w="med" len="med"/>
+          </a:ln>
+        </p:spPr>
+        <p:style>
+          <a:lnRef idx="0">
+            <a:scrgbClr r="0" g="0" b="0"/>
+          </a:lnRef>
+          <a:fillRef idx="0">
+            <a:scrgbClr r="0" g="0" b="0"/>
+          </a:fillRef>
+          <a:effectRef idx="0">
+            <a:scrgbClr r="0" g="0" b="0"/>
+          </a:effectRef>
+          <a:fontRef idx="minor">
+            <a:schemeClr val="tx1"/>
+          </a:fontRef>
+        </p:style>
+      </p:cxnSp>
+      <p:sp>
+        <p:nvSpPr>
+          <p:cNvPr id="24" name="삼각형 23">
+            <a:extLst>
+              <a:ext uri="{FF2B5EF4-FFF2-40B4-BE49-F238E27FC236}">
+                <a16:creationId xmlns:a16="http://schemas.microsoft.com/office/drawing/2014/main" id="{088858E9-8EC3-AFA6-1E78-798A842844E4}"/>
+              </a:ext>
+            </a:extLst>
+          </p:cNvPr>
+          <p:cNvSpPr/>
+          <p:nvPr/>
+        </p:nvSpPr>
+        <p:spPr>
+          <a:xfrm>
+            <a:off x="8816656" y="3021722"/>
+            <a:ext cx="257360" cy="221862"/>
+          </a:xfrm>
+          <a:prstGeom prst="triangle">
+            <a:avLst/>
+          </a:prstGeom>
+        </p:spPr>
+        <p:style>
+          <a:lnRef idx="2">
+            <a:schemeClr val="accent1">
+              <a:shade val="50000"/>
+            </a:schemeClr>
+          </a:lnRef>
+          <a:fillRef idx="1">
+            <a:schemeClr val="accent1"/>
+          </a:fillRef>
+          <a:effectRef idx="0">
+            <a:schemeClr val="accent1"/>
+          </a:effectRef>
+          <a:fontRef idx="minor">
+            <a:schemeClr val="lt1"/>
+          </a:fontRef>
+        </p:style>
+        <p:txBody>
+          <a:bodyPr rtlCol="0" anchor="ctr"/>
+          <a:lstStyle/>
+          <a:p>
+            <a:pPr algn="ctr"/>
+            <a:endParaRPr kumimoji="1" lang="ko-Kore-KR" altLang="en-US"/>
+          </a:p>
+        </p:txBody>
+      </p:sp>
+      <p:sp>
+        <p:nvSpPr>
+          <p:cNvPr id="41" name="직사각형 40">
+            <a:extLst>
+              <a:ext uri="{FF2B5EF4-FFF2-40B4-BE49-F238E27FC236}">
+                <a16:creationId xmlns:a16="http://schemas.microsoft.com/office/drawing/2014/main" id="{FAB6CBC6-4BC5-35F8-8A50-B357B3D985B1}"/>
+              </a:ext>
+            </a:extLst>
+          </p:cNvPr>
+          <p:cNvSpPr/>
+          <p:nvPr/>
+        </p:nvSpPr>
+        <p:spPr>
+          <a:xfrm>
+            <a:off x="2043782" y="3566275"/>
+            <a:ext cx="1314730" cy="1081256"/>
+          </a:xfrm>
+          <a:prstGeom prst="rect">
+            <a:avLst/>
+          </a:prstGeom>
+        </p:spPr>
+        <p:style>
+          <a:lnRef idx="2">
+            <a:schemeClr val="accent1"/>
+          </a:lnRef>
+          <a:fillRef idx="1">
+            <a:schemeClr val="lt1"/>
+          </a:fillRef>
+          <a:effectRef idx="0">
+            <a:schemeClr val="accent1"/>
+          </a:effectRef>
+          <a:fontRef idx="minor">
+            <a:schemeClr val="dk1"/>
+          </a:fontRef>
+        </p:style>
+        <p:txBody>
+          <a:bodyPr rtlCol="0" anchor="ctr"/>
+          <a:lstStyle/>
+          <a:p>
+            <a:pPr marL="171450" indent="-171450" algn="ctr">
+              <a:buFont typeface="Arial" panose="020B0604020202020204" pitchFamily="34" charset="0"/>
+              <a:buChar char="•"/>
+            </a:pPr>
+            <a:r>
+              <a:rPr kumimoji="1" lang="en-US" altLang="ko-KR" sz="1000" dirty="0"/>
+              <a:t>refresh</a:t>
+            </a:r>
+          </a:p>
+          <a:p>
+            <a:pPr marL="171450" indent="-171450" algn="ctr">
+              <a:buFont typeface="Arial" panose="020B0604020202020204" pitchFamily="34" charset="0"/>
+              <a:buChar char="•"/>
+            </a:pPr>
+            <a:r>
+              <a:rPr kumimoji="1" lang="en-US" altLang="ko-KR" sz="1000" dirty="0"/>
+              <a:t>redirect</a:t>
+            </a:r>
+          </a:p>
+          <a:p>
+            <a:pPr marL="171450" indent="-171450" algn="ctr">
+              <a:buFont typeface="Arial" panose="020B0604020202020204" pitchFamily="34" charset="0"/>
+              <a:buChar char="•"/>
+            </a:pPr>
+            <a:r>
+              <a:rPr kumimoji="1" lang="en-US" altLang="ko-KR" sz="1000" dirty="0"/>
+              <a:t>JSP </a:t>
+            </a:r>
+            <a:r>
+              <a:rPr kumimoji="1" lang="ko-KR" altLang="en-US" sz="1000" dirty="0"/>
+              <a:t>실행결과</a:t>
+            </a:r>
+            <a:endParaRPr kumimoji="1" lang="en-US" altLang="ko-KR" sz="1000" dirty="0"/>
+          </a:p>
+          <a:p>
+            <a:pPr marL="171450" indent="-171450" algn="ctr">
+              <a:buFont typeface="Arial" panose="020B0604020202020204" pitchFamily="34" charset="0"/>
+              <a:buChar char="•"/>
+            </a:pPr>
+            <a:r>
+              <a:rPr kumimoji="1" lang="ko-KR" altLang="en-US" sz="1000" dirty="0"/>
+              <a:t>오류내용</a:t>
+            </a:r>
+            <a:endParaRPr kumimoji="1" lang="en-US" altLang="ko-KR" sz="1000" dirty="0"/>
+          </a:p>
+        </p:txBody>
+      </p:sp>
+      <p:sp>
+        <p:nvSpPr>
+          <p:cNvPr id="42" name="직사각형 41">
+            <a:extLst>
+              <a:ext uri="{FF2B5EF4-FFF2-40B4-BE49-F238E27FC236}">
+                <a16:creationId xmlns:a16="http://schemas.microsoft.com/office/drawing/2014/main" id="{DF8441A0-F00A-96E3-B118-6EF88A096E09}"/>
+              </a:ext>
+            </a:extLst>
+          </p:cNvPr>
+          <p:cNvSpPr/>
+          <p:nvPr/>
+        </p:nvSpPr>
+        <p:spPr>
+          <a:xfrm>
+            <a:off x="5706958" y="3681251"/>
+            <a:ext cx="1314730" cy="580023"/>
+          </a:xfrm>
+          <a:prstGeom prst="rect">
+            <a:avLst/>
+          </a:prstGeom>
+        </p:spPr>
+        <p:style>
+          <a:lnRef idx="2">
+            <a:schemeClr val="accent1"/>
+          </a:lnRef>
+          <a:fillRef idx="1">
+            <a:schemeClr val="lt1"/>
+          </a:fillRef>
+          <a:effectRef idx="0">
+            <a:schemeClr val="accent1"/>
+          </a:effectRef>
+          <a:fontRef idx="minor">
+            <a:schemeClr val="dk1"/>
+          </a:fontRef>
+        </p:style>
+        <p:txBody>
+          <a:bodyPr rtlCol="0" anchor="ctr"/>
+          <a:lstStyle/>
+          <a:p>
+            <a:pPr marL="171450" indent="-171450" algn="ctr">
+              <a:buFont typeface="Arial" panose="020B0604020202020204" pitchFamily="34" charset="0"/>
+              <a:buChar char="•"/>
+            </a:pPr>
+            <a:r>
+              <a:rPr kumimoji="1" lang="ko-KR" altLang="en-US" sz="1000" dirty="0"/>
+              <a:t>결과 데이터 생성</a:t>
+            </a:r>
+            <a:endParaRPr kumimoji="1" lang="en-US" altLang="ko-KR" sz="1000" dirty="0"/>
+          </a:p>
+          <a:p>
+            <a:pPr marL="171450" indent="-171450" algn="ctr">
+              <a:buFont typeface="Arial" panose="020B0604020202020204" pitchFamily="34" charset="0"/>
+              <a:buChar char="•"/>
+            </a:pPr>
+            <a:r>
+              <a:rPr kumimoji="1" lang="ko-KR" altLang="en-US" sz="1000" dirty="0"/>
+              <a:t>오류 내용 출력</a:t>
+            </a:r>
+            <a:endParaRPr kumimoji="1" lang="en-US" altLang="ko-KR" sz="1000" dirty="0"/>
+          </a:p>
+        </p:txBody>
+      </p:sp>
+      <p:sp>
+        <p:nvSpPr>
+          <p:cNvPr id="44" name="직사각형 43">
+            <a:extLst>
+              <a:ext uri="{FF2B5EF4-FFF2-40B4-BE49-F238E27FC236}">
+                <a16:creationId xmlns:a16="http://schemas.microsoft.com/office/drawing/2014/main" id="{8D05A5E7-9839-8A82-047A-B42BE7A2D46D}"/>
+              </a:ext>
+            </a:extLst>
+          </p:cNvPr>
+          <p:cNvSpPr/>
+          <p:nvPr/>
+        </p:nvSpPr>
+        <p:spPr>
+          <a:xfrm>
+            <a:off x="5775443" y="1414711"/>
+            <a:ext cx="989251" cy="310057"/>
+          </a:xfrm>
+          <a:prstGeom prst="rect">
+            <a:avLst/>
+          </a:prstGeom>
+          <a:ln>
+            <a:solidFill>
+              <a:srgbClr val="C43EA7"/>
+            </a:solidFill>
+          </a:ln>
+        </p:spPr>
+        <p:style>
+          <a:lnRef idx="2">
+            <a:schemeClr val="accent1"/>
+          </a:lnRef>
+          <a:fillRef idx="1">
+            <a:schemeClr val="lt1"/>
+          </a:fillRef>
+          <a:effectRef idx="0">
+            <a:schemeClr val="accent1"/>
+          </a:effectRef>
+          <a:fontRef idx="minor">
+            <a:schemeClr val="dk1"/>
+          </a:fontRef>
+        </p:style>
+        <p:txBody>
+          <a:bodyPr rtlCol="0" anchor="ctr"/>
+          <a:lstStyle/>
+          <a:p>
+            <a:pPr algn="ctr"/>
+            <a:r>
+              <a:rPr kumimoji="1" lang="ko-KR" altLang="en-US" sz="1000" dirty="0" err="1"/>
+              <a:t>서블릿</a:t>
+            </a:r>
+            <a:endParaRPr kumimoji="1" lang="en-US" altLang="ko-KR" sz="1000" dirty="0"/>
+          </a:p>
+        </p:txBody>
+      </p:sp>
+      <p:cxnSp>
+        <p:nvCxnSpPr>
+          <p:cNvPr id="45" name="직선 화살표 연결선 44">
+            <a:extLst>
+              <a:ext uri="{FF2B5EF4-FFF2-40B4-BE49-F238E27FC236}">
+                <a16:creationId xmlns:a16="http://schemas.microsoft.com/office/drawing/2014/main" id="{38C4F734-DC59-AD54-A0D2-1B1D666EC956}"/>
+              </a:ext>
+            </a:extLst>
+          </p:cNvPr>
+          <p:cNvCxnSpPr>
+            <a:cxnSpLocks/>
+            <a:stCxn id="44" idx="1"/>
+            <a:endCxn id="5" idx="0"/>
+          </p:cNvCxnSpPr>
+          <p:nvPr/>
+        </p:nvCxnSpPr>
+        <p:spPr>
+          <a:xfrm flipH="1">
+            <a:off x="4809475" y="1569740"/>
+            <a:ext cx="965968" cy="989528"/>
+          </a:xfrm>
+          <a:prstGeom prst="straightConnector1">
+            <a:avLst/>
+          </a:prstGeom>
+          <a:ln>
+            <a:solidFill>
+              <a:srgbClr val="C43EA7"/>
+            </a:solidFill>
+            <a:tailEnd type="triangle"/>
+          </a:ln>
+        </p:spPr>
+        <p:style>
+          <a:lnRef idx="3">
+            <a:schemeClr val="accent1"/>
+          </a:lnRef>
+          <a:fillRef idx="0">
+            <a:schemeClr val="accent1"/>
+          </a:fillRef>
+          <a:effectRef idx="2">
+            <a:schemeClr val="accent1"/>
+          </a:effectRef>
+          <a:fontRef idx="minor">
+            <a:schemeClr val="tx1"/>
+          </a:fontRef>
+        </p:style>
+      </p:cxnSp>
+      <p:sp>
+        <p:nvSpPr>
+          <p:cNvPr id="48" name="직사각형 47">
+            <a:extLst>
+              <a:ext uri="{FF2B5EF4-FFF2-40B4-BE49-F238E27FC236}">
+                <a16:creationId xmlns:a16="http://schemas.microsoft.com/office/drawing/2014/main" id="{043C8823-F012-BDD7-BF66-B9313DD062AF}"/>
+              </a:ext>
+            </a:extLst>
+          </p:cNvPr>
+          <p:cNvSpPr/>
+          <p:nvPr/>
+        </p:nvSpPr>
+        <p:spPr>
+          <a:xfrm>
+            <a:off x="3737874" y="2117829"/>
+            <a:ext cx="844124" cy="310057"/>
+          </a:xfrm>
+          <a:prstGeom prst="rect">
+            <a:avLst/>
+          </a:prstGeom>
+        </p:spPr>
+        <p:style>
+          <a:lnRef idx="2">
+            <a:schemeClr val="accent1"/>
+          </a:lnRef>
+          <a:fillRef idx="1">
+            <a:schemeClr val="lt1"/>
+          </a:fillRef>
+          <a:effectRef idx="0">
+            <a:schemeClr val="accent1"/>
+          </a:effectRef>
+          <a:fontRef idx="minor">
+            <a:schemeClr val="dk1"/>
+          </a:fontRef>
+        </p:style>
+        <p:txBody>
+          <a:bodyPr rtlCol="0" anchor="ctr"/>
+          <a:lstStyle/>
+          <a:p>
+            <a:pPr algn="ctr"/>
+            <a:r>
+              <a:rPr kumimoji="1" lang="en-US" altLang="ko-KR" sz="1000" dirty="0"/>
+              <a:t>/service/*</a:t>
+            </a:r>
+          </a:p>
+        </p:txBody>
+      </p:sp>
+    </p:spTree>
+    <p:extLst>
+      <p:ext uri="{BB962C8B-B14F-4D97-AF65-F5344CB8AC3E}">
+        <p14:creationId xmlns:p14="http://schemas.microsoft.com/office/powerpoint/2010/main" val="1115233268"/>
       </p:ext>
     </p:extLst>
   </p:cSld>
